--- a/Presentatie-IoT-SmartWasteManagment.pptx
+++ b/Presentatie-IoT-SmartWasteManagment.pptx
@@ -5,10 +5,10 @@
     <p:sldMasterId id="2147483648" r:id="rId1"/>
   </p:sldMasterIdLst>
   <p:notesMasterIdLst>
-    <p:notesMasterId r:id="rId15"/>
+    <p:notesMasterId r:id="rId16"/>
   </p:notesMasterIdLst>
   <p:handoutMasterIdLst>
-    <p:handoutMasterId r:id="rId16"/>
+    <p:handoutMasterId r:id="rId17"/>
   </p:handoutMasterIdLst>
   <p:sldIdLst>
     <p:sldId id="266" r:id="rId2"/>
@@ -21,9 +21,10 @@
     <p:sldId id="317" r:id="rId9"/>
     <p:sldId id="318" r:id="rId10"/>
     <p:sldId id="314" r:id="rId11"/>
-    <p:sldId id="316" r:id="rId12"/>
-    <p:sldId id="319" r:id="rId13"/>
-    <p:sldId id="280" r:id="rId14"/>
+    <p:sldId id="322" r:id="rId12"/>
+    <p:sldId id="316" r:id="rId13"/>
+    <p:sldId id="319" r:id="rId14"/>
+    <p:sldId id="280" r:id="rId15"/>
   </p:sldIdLst>
   <p:sldSz cx="9144000" cy="6858000" type="screen4x3"/>
   <p:notesSz cx="6797675" cy="9926638"/>
@@ -4916,7 +4917,7 @@
             </a:r>
             <a:r>
               <a:rPr lang="nl-BE" dirty="0" err="1"/>
-              <a:t>adress</a:t>
+              <a:t>address</a:t>
             </a:r>
             <a:r>
               <a:rPr lang="nl-BE" dirty="0"/>
@@ -5255,7 +5256,13 @@
       </p:grpSpPr>
       <p:sp>
         <p:nvSpPr>
-          <p:cNvPr id="2" name="Titel 1"/>
+          <p:cNvPr id="2" name="Titel 1">
+            <a:extLst>
+              <a:ext uri="{FF2B5EF4-FFF2-40B4-BE49-F238E27FC236}">
+                <a16:creationId xmlns:a16="http://schemas.microsoft.com/office/drawing/2014/main" id="{593FD504-FB23-4CB1-8B31-C8D9559AE56A}"/>
+              </a:ext>
+            </a:extLst>
+          </p:cNvPr>
           <p:cNvSpPr>
             <a:spLocks noGrp="1"/>
           </p:cNvSpPr>
@@ -5270,14 +5277,28 @@
           <a:p>
             <a:r>
               <a:rPr lang="nl-BE" dirty="0"/>
-              <a:t>Backend</a:t>
-            </a:r>
-          </a:p>
-        </p:txBody>
-      </p:sp>
-      <p:sp>
-        <p:nvSpPr>
-          <p:cNvPr id="3" name="Tijdelijke aanduiding voor inhoud 2"/>
+              <a:t>Backend – </a:t>
+            </a:r>
+            <a:r>
+              <a:rPr lang="nl-BE" dirty="0" err="1"/>
+              <a:t>Fingerprinting</a:t>
+            </a:r>
+            <a:r>
+              <a:rPr lang="nl-BE" dirty="0"/>
+              <a:t> D7</a:t>
+            </a:r>
+          </a:p>
+        </p:txBody>
+      </p:sp>
+      <p:sp>
+        <p:nvSpPr>
+          <p:cNvPr id="3" name="Tijdelijke aanduiding voor inhoud 2">
+            <a:extLst>
+              <a:ext uri="{FF2B5EF4-FFF2-40B4-BE49-F238E27FC236}">
+                <a16:creationId xmlns:a16="http://schemas.microsoft.com/office/drawing/2014/main" id="{68E559E7-AF8A-4586-8830-3B4EB298A507}"/>
+              </a:ext>
+            </a:extLst>
+          </p:cNvPr>
           <p:cNvSpPr>
             <a:spLocks noGrp="1"/>
           </p:cNvSpPr>
@@ -5285,11 +5306,14 @@
             <p:ph idx="1"/>
           </p:nvPr>
         </p:nvSpPr>
-        <p:spPr/>
-        <p:txBody>
-          <a:bodyPr>
-            <a:normAutofit lnSpcReduction="10000"/>
-          </a:bodyPr>
+        <p:spPr>
+          <a:xfrm>
+            <a:off x="539552" y="1196976"/>
+            <a:ext cx="8424936" cy="4895850"/>
+          </a:xfrm>
+        </p:spPr>
+        <p:txBody>
+          <a:bodyPr/>
           <a:lstStyle/>
           <a:p>
             <a:pPr marL="457200" indent="-457200">
@@ -5298,7 +5322,15 @@
             </a:pPr>
             <a:r>
               <a:rPr lang="nl-BE" dirty="0" err="1"/>
-              <a:t>Perform</a:t>
+              <a:t>MongoDB</a:t>
+            </a:r>
+            <a:r>
+              <a:rPr lang="nl-BE" dirty="0"/>
+              <a:t> database: 100 </a:t>
+            </a:r>
+            <a:r>
+              <a:rPr lang="nl-BE" dirty="0" err="1"/>
+              <a:t>measurements</a:t>
             </a:r>
             <a:r>
               <a:rPr lang="nl-BE" dirty="0"/>
@@ -5306,7 +5338,7 @@
             </a:r>
             <a:r>
               <a:rPr lang="nl-BE" dirty="0" err="1"/>
-              <a:t>required</a:t>
+              <a:t>for</a:t>
             </a:r>
             <a:r>
               <a:rPr lang="nl-BE" dirty="0"/>
@@ -5314,99 +5346,12 @@
             </a:r>
             <a:r>
               <a:rPr lang="nl-BE" dirty="0" err="1"/>
-              <a:t>conversion</a:t>
-            </a:r>
-            <a:r>
-              <a:rPr lang="nl-BE" dirty="0"/>
-              <a:t> </a:t>
-            </a:r>
-            <a:r>
-              <a:rPr lang="nl-BE" dirty="0" err="1"/>
-              <a:t>depending</a:t>
-            </a:r>
-            <a:r>
-              <a:rPr lang="nl-BE" dirty="0"/>
-              <a:t> on D7 or </a:t>
-            </a:r>
-            <a:r>
-              <a:rPr lang="nl-BE" dirty="0" err="1"/>
-              <a:t>LoRa</a:t>
-            </a:r>
-            <a:r>
-              <a:rPr lang="nl-BE" dirty="0"/>
-              <a:t> </a:t>
-            </a:r>
-            <a:r>
-              <a:rPr lang="nl-BE" dirty="0" err="1"/>
-              <a:t>message</a:t>
-            </a:r>
-            <a:endParaRPr lang="nl-BE" dirty="0"/>
-          </a:p>
-          <a:p>
-            <a:pPr marL="1033200" lvl="2" indent="-457200">
-              <a:buFont typeface="Arial" panose="020B0604020202020204" pitchFamily="34" charset="0"/>
-              <a:buChar char="•"/>
-            </a:pPr>
-            <a:r>
-              <a:rPr lang="nl-BE" dirty="0" err="1"/>
-              <a:t>LoRa</a:t>
-            </a:r>
-            <a:r>
-              <a:rPr lang="nl-BE" dirty="0"/>
-              <a:t> is first </a:t>
-            </a:r>
-            <a:r>
-              <a:rPr lang="nl-BE" dirty="0" err="1"/>
-              <a:t>parsed</a:t>
-            </a:r>
-            <a:r>
-              <a:rPr lang="nl-BE" dirty="0"/>
-              <a:t> on The </a:t>
-            </a:r>
-            <a:r>
-              <a:rPr lang="nl-BE" dirty="0" err="1"/>
-              <a:t>Things</a:t>
-            </a:r>
-            <a:r>
-              <a:rPr lang="nl-BE" dirty="0"/>
-              <a:t> Network </a:t>
-            </a:r>
-            <a:r>
-              <a:rPr lang="nl-BE" dirty="0" err="1"/>
-              <a:t>using</a:t>
-            </a:r>
-            <a:r>
-              <a:rPr lang="nl-BE" dirty="0"/>
-              <a:t> a </a:t>
-            </a:r>
-            <a:r>
-              <a:rPr lang="nl-BE" dirty="0" err="1"/>
-              <a:t>custom</a:t>
-            </a:r>
-            <a:r>
-              <a:rPr lang="nl-BE" dirty="0"/>
-              <a:t> </a:t>
-            </a:r>
-            <a:r>
-              <a:rPr lang="nl-BE" dirty="0" err="1"/>
-              <a:t>payload</a:t>
-            </a:r>
-            <a:r>
-              <a:rPr lang="nl-BE" dirty="0"/>
-              <a:t> decoder </a:t>
-            </a:r>
-          </a:p>
-          <a:p>
-            <a:pPr lvl="3" indent="0">
-              <a:buNone/>
-            </a:pPr>
-            <a:r>
-              <a:rPr lang="nl-BE" dirty="0">
-                <a:sym typeface="Wingdings" panose="05000000000000000000" pitchFamily="2" charset="2"/>
-              </a:rPr>
-              <a:t> Decoder supports IFTTT trigger</a:t>
-            </a:r>
-            <a:endParaRPr lang="nl-BE" dirty="0"/>
+              <a:t>each</a:t>
+            </a:r>
+            <a:r>
+              <a:rPr lang="nl-BE" dirty="0"/>
+              <a:t> POI </a:t>
+            </a:r>
           </a:p>
           <a:p>
             <a:pPr marL="457200" indent="-457200">
@@ -5421,106 +5366,8 @@
               <a:buChar char="•"/>
             </a:pPr>
             <a:r>
-              <a:rPr lang="nl-BE" dirty="0" err="1"/>
-              <a:t>Send</a:t>
-            </a:r>
-            <a:r>
-              <a:rPr lang="nl-BE" dirty="0"/>
-              <a:t> </a:t>
-            </a:r>
-            <a:r>
-              <a:rPr lang="nl-BE" dirty="0" err="1"/>
-              <a:t>telemetry</a:t>
-            </a:r>
-            <a:r>
-              <a:rPr lang="nl-BE" dirty="0"/>
-              <a:t> </a:t>
-            </a:r>
-            <a:r>
-              <a:rPr lang="nl-BE" dirty="0" err="1"/>
-              <a:t>to</a:t>
-            </a:r>
-            <a:r>
-              <a:rPr lang="nl-BE" dirty="0"/>
-              <a:t> </a:t>
-            </a:r>
-            <a:r>
-              <a:rPr lang="nl-BE" dirty="0" err="1"/>
-              <a:t>ThingsBoard</a:t>
-            </a:r>
-            <a:r>
-              <a:rPr lang="nl-BE" dirty="0"/>
-              <a:t> </a:t>
-            </a:r>
-            <a:r>
-              <a:rPr lang="nl-BE" dirty="0" err="1"/>
-              <a:t>for</a:t>
-            </a:r>
-            <a:r>
-              <a:rPr lang="nl-BE" dirty="0"/>
-              <a:t> </a:t>
-            </a:r>
-            <a:r>
-              <a:rPr lang="nl-BE" dirty="0" err="1"/>
-              <a:t>visualization</a:t>
-            </a:r>
-            <a:endParaRPr lang="nl-BE" dirty="0"/>
-          </a:p>
-          <a:p>
-            <a:pPr marL="673200" lvl="1" indent="-457200">
-              <a:buFont typeface="Arial" panose="020B0604020202020204" pitchFamily="34" charset="0"/>
-              <a:buChar char="•"/>
-            </a:pPr>
-            <a:r>
-              <a:rPr lang="nl-BE" dirty="0"/>
-              <a:t>Indoor: map classroom </a:t>
-            </a:r>
-          </a:p>
-          <a:p>
-            <a:pPr marL="673200" lvl="1" indent="-457200">
-              <a:buFont typeface="Arial" panose="020B0604020202020204" pitchFamily="34" charset="0"/>
-              <a:buChar char="•"/>
-            </a:pPr>
-            <a:r>
-              <a:rPr lang="nl-BE" dirty="0"/>
-              <a:t>Outdoor: Google </a:t>
-            </a:r>
-            <a:r>
-              <a:rPr lang="nl-BE" dirty="0" err="1"/>
-              <a:t>maps</a:t>
-            </a:r>
-            <a:endParaRPr lang="nl-BE" dirty="0"/>
-          </a:p>
-          <a:p>
-            <a:pPr marL="673200" lvl="1" indent="-457200">
-              <a:buFont typeface="Arial" panose="020B0604020202020204" pitchFamily="34" charset="0"/>
-              <a:buChar char="•"/>
-            </a:pPr>
-            <a:r>
-              <a:rPr lang="nl-BE" dirty="0" err="1"/>
-              <a:t>Distance</a:t>
-            </a:r>
-            <a:r>
-              <a:rPr lang="nl-BE" dirty="0"/>
-              <a:t> &amp; </a:t>
-            </a:r>
-            <a:r>
-              <a:rPr lang="nl-BE" dirty="0" err="1"/>
-              <a:t>Temperature</a:t>
-            </a:r>
-            <a:r>
-              <a:rPr lang="nl-BE" dirty="0"/>
-              <a:t> </a:t>
-            </a:r>
-          </a:p>
-          <a:p>
-            <a:pPr marL="673200" lvl="1" indent="-457200">
-              <a:buFont typeface="Arial" panose="020B0604020202020204" pitchFamily="34" charset="0"/>
-              <a:buChar char="•"/>
-            </a:pPr>
-            <a:r>
-              <a:rPr lang="nl-BE" dirty="0"/>
-              <a:t>Container level</a:t>
+              <a:rPr lang="nl-BE" dirty="0"/>
+              <a:t>POI: 3 points per block of computers</a:t>
             </a:r>
           </a:p>
           <a:p>
@@ -5530,11 +5377,136 @@
             </a:pPr>
             <a:endParaRPr lang="nl-BE" dirty="0"/>
           </a:p>
-        </p:txBody>
-      </p:sp>
-      <p:sp>
-        <p:nvSpPr>
-          <p:cNvPr id="4" name="Tijdelijke aanduiding voor dianummer 3"/>
+          <a:p>
+            <a:pPr marL="457200" indent="-457200">
+              <a:buFont typeface="Arial" panose="020B0604020202020204" pitchFamily="34" charset="0"/>
+              <a:buChar char="•"/>
+            </a:pPr>
+            <a:r>
+              <a:rPr lang="nl-BE" dirty="0"/>
+              <a:t>200 RSS </a:t>
+            </a:r>
+            <a:r>
+              <a:rPr lang="nl-BE" dirty="0" err="1"/>
+              <a:t>value</a:t>
+            </a:r>
+            <a:r>
+              <a:rPr lang="nl-BE" dirty="0"/>
+              <a:t> </a:t>
+            </a:r>
+            <a:r>
+              <a:rPr lang="nl-BE" dirty="0" err="1"/>
+              <a:t>if</a:t>
+            </a:r>
+            <a:r>
+              <a:rPr lang="nl-BE" dirty="0"/>
+              <a:t> gateway </a:t>
+            </a:r>
+            <a:r>
+              <a:rPr lang="nl-BE" dirty="0" err="1"/>
+              <a:t>not</a:t>
+            </a:r>
+            <a:r>
+              <a:rPr lang="nl-BE" dirty="0"/>
+              <a:t> in range/ gateway </a:t>
+            </a:r>
+            <a:r>
+              <a:rPr lang="nl-BE" dirty="0" err="1"/>
+              <a:t>not</a:t>
+            </a:r>
+            <a:r>
+              <a:rPr lang="nl-BE" dirty="0"/>
+              <a:t> in DB</a:t>
+            </a:r>
+          </a:p>
+          <a:p>
+            <a:pPr marL="457200" indent="-457200">
+              <a:buFont typeface="Arial" panose="020B0604020202020204" pitchFamily="34" charset="0"/>
+              <a:buChar char="•"/>
+            </a:pPr>
+            <a:endParaRPr lang="nl-BE" dirty="0"/>
+          </a:p>
+          <a:p>
+            <a:pPr marL="457200" indent="-457200">
+              <a:buFont typeface="Arial" panose="020B0604020202020204" pitchFamily="34" charset="0"/>
+              <a:buChar char="•"/>
+            </a:pPr>
+            <a:r>
+              <a:rPr lang="nl-BE" dirty="0"/>
+              <a:t> </a:t>
+            </a:r>
+            <a:r>
+              <a:rPr lang="nl-BE" dirty="0" err="1"/>
+              <a:t>Euclidean</a:t>
+            </a:r>
+            <a:r>
+              <a:rPr lang="nl-BE" dirty="0"/>
+              <a:t> </a:t>
+            </a:r>
+            <a:r>
+              <a:rPr lang="nl-BE" dirty="0" err="1"/>
+              <a:t>distance</a:t>
+            </a:r>
+            <a:r>
+              <a:rPr lang="nl-BE" dirty="0"/>
+              <a:t> </a:t>
+            </a:r>
+          </a:p>
+          <a:p>
+            <a:pPr marL="457200" indent="-457200">
+              <a:buFont typeface="Arial" panose="020B0604020202020204" pitchFamily="34" charset="0"/>
+              <a:buChar char="•"/>
+            </a:pPr>
+            <a:endParaRPr lang="nl-BE" dirty="0"/>
+          </a:p>
+          <a:p>
+            <a:pPr marL="457200" indent="-457200">
+              <a:buFont typeface="Arial" panose="020B0604020202020204" pitchFamily="34" charset="0"/>
+              <a:buChar char="•"/>
+            </a:pPr>
+            <a:r>
+              <a:rPr lang="nl-BE" dirty="0"/>
+              <a:t>25 </a:t>
+            </a:r>
+            <a:r>
+              <a:rPr lang="nl-BE" dirty="0" err="1"/>
+              <a:t>nearest</a:t>
+            </a:r>
+            <a:r>
+              <a:rPr lang="nl-BE" dirty="0"/>
+              <a:t> </a:t>
+            </a:r>
+            <a:r>
+              <a:rPr lang="nl-BE" dirty="0" err="1"/>
+              <a:t>neighbours</a:t>
+            </a:r>
+            <a:endParaRPr lang="nl-BE" dirty="0"/>
+          </a:p>
+          <a:p>
+            <a:pPr marL="457200" indent="-457200">
+              <a:buFont typeface="Arial" panose="020B0604020202020204" pitchFamily="34" charset="0"/>
+              <a:buChar char="•"/>
+            </a:pPr>
+            <a:endParaRPr lang="nl-BE" dirty="0"/>
+          </a:p>
+          <a:p>
+            <a:pPr marL="457200" indent="-457200">
+              <a:buFont typeface="Arial" panose="020B0604020202020204" pitchFamily="34" charset="0"/>
+              <a:buChar char="•"/>
+            </a:pPr>
+            <a:endParaRPr lang="nl-BE" dirty="0"/>
+          </a:p>
+        </p:txBody>
+      </p:sp>
+      <p:sp>
+        <p:nvSpPr>
+          <p:cNvPr id="4" name="Tijdelijke aanduiding voor dianummer 3">
+            <a:extLst>
+              <a:ext uri="{FF2B5EF4-FFF2-40B4-BE49-F238E27FC236}">
+                <a16:creationId xmlns:a16="http://schemas.microsoft.com/office/drawing/2014/main" id="{5D6F5E7D-A2A8-4B5E-9FD4-013D3B783812}"/>
+              </a:ext>
+            </a:extLst>
+          </p:cNvPr>
           <p:cNvSpPr>
             <a:spLocks noGrp="1"/>
           </p:cNvSpPr>
@@ -5558,7 +5530,7 @@
     </p:spTree>
     <p:extLst>
       <p:ext uri="{BB962C8B-B14F-4D97-AF65-F5344CB8AC3E}">
-        <p14:creationId xmlns:p14="http://schemas.microsoft.com/office/powerpoint/2010/main" val="752456084"/>
+        <p14:creationId xmlns:p14="http://schemas.microsoft.com/office/powerpoint/2010/main" val="1618600510"/>
       </p:ext>
     </p:extLst>
   </p:cSld>
@@ -5587,6 +5559,338 @@
       </p:grpSpPr>
       <p:sp>
         <p:nvSpPr>
+          <p:cNvPr id="2" name="Titel 1"/>
+          <p:cNvSpPr>
+            <a:spLocks noGrp="1"/>
+          </p:cNvSpPr>
+          <p:nvPr>
+            <p:ph type="title"/>
+          </p:nvPr>
+        </p:nvSpPr>
+        <p:spPr/>
+        <p:txBody>
+          <a:bodyPr/>
+          <a:lstStyle/>
+          <a:p>
+            <a:r>
+              <a:rPr lang="nl-BE" dirty="0"/>
+              <a:t>Backend</a:t>
+            </a:r>
+          </a:p>
+        </p:txBody>
+      </p:sp>
+      <p:sp>
+        <p:nvSpPr>
+          <p:cNvPr id="3" name="Tijdelijke aanduiding voor inhoud 2"/>
+          <p:cNvSpPr>
+            <a:spLocks noGrp="1"/>
+          </p:cNvSpPr>
+          <p:nvPr>
+            <p:ph idx="1"/>
+          </p:nvPr>
+        </p:nvSpPr>
+        <p:spPr/>
+        <p:txBody>
+          <a:bodyPr>
+            <a:normAutofit lnSpcReduction="10000"/>
+          </a:bodyPr>
+          <a:lstStyle/>
+          <a:p>
+            <a:pPr marL="457200" indent="-457200">
+              <a:buFont typeface="Arial" panose="020B0604020202020204" pitchFamily="34" charset="0"/>
+              <a:buChar char="•"/>
+            </a:pPr>
+            <a:r>
+              <a:rPr lang="nl-BE" dirty="0" err="1"/>
+              <a:t>Perform</a:t>
+            </a:r>
+            <a:r>
+              <a:rPr lang="nl-BE" dirty="0"/>
+              <a:t> </a:t>
+            </a:r>
+            <a:r>
+              <a:rPr lang="nl-BE" dirty="0" err="1"/>
+              <a:t>required</a:t>
+            </a:r>
+            <a:r>
+              <a:rPr lang="nl-BE" dirty="0"/>
+              <a:t> </a:t>
+            </a:r>
+            <a:r>
+              <a:rPr lang="nl-BE" dirty="0" err="1"/>
+              <a:t>conversion</a:t>
+            </a:r>
+            <a:r>
+              <a:rPr lang="nl-BE" dirty="0"/>
+              <a:t> </a:t>
+            </a:r>
+            <a:r>
+              <a:rPr lang="nl-BE" dirty="0" err="1"/>
+              <a:t>depending</a:t>
+            </a:r>
+            <a:r>
+              <a:rPr lang="nl-BE" dirty="0"/>
+              <a:t> on D7 or </a:t>
+            </a:r>
+            <a:r>
+              <a:rPr lang="nl-BE" dirty="0" err="1"/>
+              <a:t>LoRa</a:t>
+            </a:r>
+            <a:r>
+              <a:rPr lang="nl-BE" dirty="0"/>
+              <a:t> </a:t>
+            </a:r>
+            <a:r>
+              <a:rPr lang="nl-BE" dirty="0" err="1"/>
+              <a:t>message</a:t>
+            </a:r>
+            <a:endParaRPr lang="nl-BE" dirty="0"/>
+          </a:p>
+          <a:p>
+            <a:pPr marL="1033200" lvl="2" indent="-457200">
+              <a:buFont typeface="Arial" panose="020B0604020202020204" pitchFamily="34" charset="0"/>
+              <a:buChar char="•"/>
+            </a:pPr>
+            <a:r>
+              <a:rPr lang="nl-BE" dirty="0" err="1"/>
+              <a:t>LoRa</a:t>
+            </a:r>
+            <a:r>
+              <a:rPr lang="nl-BE" dirty="0"/>
+              <a:t> is first </a:t>
+            </a:r>
+            <a:r>
+              <a:rPr lang="nl-BE" dirty="0" err="1"/>
+              <a:t>parsed</a:t>
+            </a:r>
+            <a:r>
+              <a:rPr lang="nl-BE" dirty="0"/>
+              <a:t> on The </a:t>
+            </a:r>
+            <a:r>
+              <a:rPr lang="nl-BE" dirty="0" err="1"/>
+              <a:t>Things</a:t>
+            </a:r>
+            <a:r>
+              <a:rPr lang="nl-BE" dirty="0"/>
+              <a:t> Network </a:t>
+            </a:r>
+            <a:r>
+              <a:rPr lang="nl-BE" dirty="0" err="1"/>
+              <a:t>using</a:t>
+            </a:r>
+            <a:r>
+              <a:rPr lang="nl-BE" dirty="0"/>
+              <a:t> a </a:t>
+            </a:r>
+            <a:r>
+              <a:rPr lang="nl-BE" dirty="0" err="1"/>
+              <a:t>custom</a:t>
+            </a:r>
+            <a:r>
+              <a:rPr lang="nl-BE" dirty="0"/>
+              <a:t> </a:t>
+            </a:r>
+            <a:r>
+              <a:rPr lang="nl-BE" dirty="0" err="1"/>
+              <a:t>payload</a:t>
+            </a:r>
+            <a:r>
+              <a:rPr lang="nl-BE" dirty="0"/>
+              <a:t> decoder </a:t>
+            </a:r>
+          </a:p>
+          <a:p>
+            <a:pPr lvl="3" indent="0">
+              <a:buNone/>
+            </a:pPr>
+            <a:r>
+              <a:rPr lang="nl-BE" dirty="0">
+                <a:sym typeface="Wingdings" panose="05000000000000000000" pitchFamily="2" charset="2"/>
+              </a:rPr>
+              <a:t> Decoder supports IFTTT trigger</a:t>
+            </a:r>
+            <a:endParaRPr lang="nl-BE" dirty="0"/>
+          </a:p>
+          <a:p>
+            <a:pPr marL="457200" indent="-457200">
+              <a:buFont typeface="Arial" panose="020B0604020202020204" pitchFamily="34" charset="0"/>
+              <a:buChar char="•"/>
+            </a:pPr>
+            <a:endParaRPr lang="nl-BE" dirty="0"/>
+          </a:p>
+          <a:p>
+            <a:pPr marL="457200" indent="-457200">
+              <a:buFont typeface="Arial" panose="020B0604020202020204" pitchFamily="34" charset="0"/>
+              <a:buChar char="•"/>
+            </a:pPr>
+            <a:r>
+              <a:rPr lang="nl-BE" dirty="0" err="1"/>
+              <a:t>Send</a:t>
+            </a:r>
+            <a:r>
+              <a:rPr lang="nl-BE" dirty="0"/>
+              <a:t> </a:t>
+            </a:r>
+            <a:r>
+              <a:rPr lang="nl-BE" dirty="0" err="1"/>
+              <a:t>telemetry</a:t>
+            </a:r>
+            <a:r>
+              <a:rPr lang="nl-BE" dirty="0"/>
+              <a:t> </a:t>
+            </a:r>
+            <a:r>
+              <a:rPr lang="nl-BE" dirty="0" err="1"/>
+              <a:t>to</a:t>
+            </a:r>
+            <a:r>
+              <a:rPr lang="nl-BE" dirty="0"/>
+              <a:t> </a:t>
+            </a:r>
+            <a:r>
+              <a:rPr lang="nl-BE" dirty="0" err="1"/>
+              <a:t>ThingsBoard</a:t>
+            </a:r>
+            <a:r>
+              <a:rPr lang="nl-BE" dirty="0"/>
+              <a:t> </a:t>
+            </a:r>
+            <a:r>
+              <a:rPr lang="nl-BE" dirty="0" err="1"/>
+              <a:t>for</a:t>
+            </a:r>
+            <a:r>
+              <a:rPr lang="nl-BE" dirty="0"/>
+              <a:t> </a:t>
+            </a:r>
+            <a:r>
+              <a:rPr lang="nl-BE" dirty="0" err="1"/>
+              <a:t>visualization</a:t>
+            </a:r>
+            <a:endParaRPr lang="nl-BE" dirty="0"/>
+          </a:p>
+          <a:p>
+            <a:pPr marL="673200" lvl="1" indent="-457200">
+              <a:buFont typeface="Arial" panose="020B0604020202020204" pitchFamily="34" charset="0"/>
+              <a:buChar char="•"/>
+            </a:pPr>
+            <a:r>
+              <a:rPr lang="nl-BE" dirty="0"/>
+              <a:t>Indoor: map classroom </a:t>
+            </a:r>
+          </a:p>
+          <a:p>
+            <a:pPr marL="673200" lvl="1" indent="-457200">
+              <a:buFont typeface="Arial" panose="020B0604020202020204" pitchFamily="34" charset="0"/>
+              <a:buChar char="•"/>
+            </a:pPr>
+            <a:r>
+              <a:rPr lang="nl-BE" dirty="0"/>
+              <a:t>Outdoor: Google </a:t>
+            </a:r>
+            <a:r>
+              <a:rPr lang="nl-BE" dirty="0" err="1"/>
+              <a:t>maps</a:t>
+            </a:r>
+            <a:endParaRPr lang="nl-BE" dirty="0"/>
+          </a:p>
+          <a:p>
+            <a:pPr marL="673200" lvl="1" indent="-457200">
+              <a:buFont typeface="Arial" panose="020B0604020202020204" pitchFamily="34" charset="0"/>
+              <a:buChar char="•"/>
+            </a:pPr>
+            <a:r>
+              <a:rPr lang="nl-BE" dirty="0" err="1"/>
+              <a:t>Distance</a:t>
+            </a:r>
+            <a:r>
+              <a:rPr lang="nl-BE" dirty="0"/>
+              <a:t> &amp; </a:t>
+            </a:r>
+            <a:r>
+              <a:rPr lang="nl-BE" dirty="0" err="1"/>
+              <a:t>Temperature</a:t>
+            </a:r>
+            <a:r>
+              <a:rPr lang="nl-BE" dirty="0"/>
+              <a:t> </a:t>
+            </a:r>
+          </a:p>
+          <a:p>
+            <a:pPr marL="673200" lvl="1" indent="-457200">
+              <a:buFont typeface="Arial" panose="020B0604020202020204" pitchFamily="34" charset="0"/>
+              <a:buChar char="•"/>
+            </a:pPr>
+            <a:r>
+              <a:rPr lang="nl-BE" dirty="0"/>
+              <a:t>Container level</a:t>
+            </a:r>
+          </a:p>
+          <a:p>
+            <a:pPr marL="457200" indent="-457200">
+              <a:buFont typeface="Arial" panose="020B0604020202020204" pitchFamily="34" charset="0"/>
+              <a:buChar char="•"/>
+            </a:pPr>
+            <a:endParaRPr lang="nl-BE" dirty="0"/>
+          </a:p>
+        </p:txBody>
+      </p:sp>
+      <p:sp>
+        <p:nvSpPr>
+          <p:cNvPr id="4" name="Tijdelijke aanduiding voor dianummer 3"/>
+          <p:cNvSpPr>
+            <a:spLocks noGrp="1"/>
+          </p:cNvSpPr>
+          <p:nvPr>
+            <p:ph type="sldNum" sz="quarter" idx="12"/>
+          </p:nvPr>
+        </p:nvSpPr>
+        <p:spPr/>
+        <p:txBody>
+          <a:bodyPr/>
+          <a:lstStyle/>
+          <a:p>
+            <a:fld id="{3B032377-C103-4EFE-98C1-80A6E5A7472A}" type="slidenum">
+              <a:rPr lang="nl-NL" smtClean="0"/>
+              <a:t>12</a:t>
+            </a:fld>
+            <a:endParaRPr lang="nl-NL"/>
+          </a:p>
+        </p:txBody>
+      </p:sp>
+    </p:spTree>
+    <p:extLst>
+      <p:ext uri="{BB962C8B-B14F-4D97-AF65-F5344CB8AC3E}">
+        <p14:creationId xmlns:p14="http://schemas.microsoft.com/office/powerpoint/2010/main" val="752456084"/>
+      </p:ext>
+    </p:extLst>
+  </p:cSld>
+  <p:clrMapOvr>
+    <a:masterClrMapping/>
+  </p:clrMapOvr>
+</p:sld>
+</file>
+
+<file path=ppt/slides/slide13.xml><?xml version="1.0" encoding="utf-8"?>
+<p:sld xmlns:a="http://schemas.openxmlformats.org/drawingml/2006/main" xmlns:r="http://schemas.openxmlformats.org/officeDocument/2006/relationships" xmlns:p="http://schemas.openxmlformats.org/presentationml/2006/main">
+  <p:cSld>
+    <p:spTree>
+      <p:nvGrpSpPr>
+        <p:cNvPr id="1" name=""/>
+        <p:cNvGrpSpPr/>
+        <p:nvPr/>
+      </p:nvGrpSpPr>
+      <p:grpSpPr>
+        <a:xfrm>
+          <a:off x="0" y="0"/>
+          <a:ext cx="0" cy="0"/>
+          <a:chOff x="0" y="0"/>
+          <a:chExt cx="0" cy="0"/>
+        </a:xfrm>
+      </p:grpSpPr>
+      <p:sp>
+        <p:nvSpPr>
           <p:cNvPr id="2" name="Titel 1">
             <a:extLst>
               <a:ext uri="{FF2B5EF4-FFF2-40B4-BE49-F238E27FC236}">
@@ -5636,7 +5940,7 @@
           <a:p>
             <a:fld id="{3B032377-C103-4EFE-98C1-80A6E5A7472A}" type="slidenum">
               <a:rPr lang="nl-NL" smtClean="0"/>
-              <a:t>12</a:t>
+              <a:t>13</a:t>
             </a:fld>
             <a:endParaRPr lang="nl-NL"/>
           </a:p>
@@ -6026,7 +6330,19 @@
               <a:rPr lang="nl-BE" dirty="0">
                 <a:sym typeface="Wingdings" panose="05000000000000000000" pitchFamily="2" charset="2"/>
               </a:rPr>
-              <a:t> sent </a:t>
+              <a:t> </a:t>
+            </a:r>
+            <a:r>
+              <a:rPr lang="nl-BE" dirty="0" err="1">
+                <a:sym typeface="Wingdings" panose="05000000000000000000" pitchFamily="2" charset="2"/>
+              </a:rPr>
+              <a:t>send</a:t>
+            </a:r>
+            <a:r>
+              <a:rPr lang="nl-BE" dirty="0">
+                <a:sym typeface="Wingdings" panose="05000000000000000000" pitchFamily="2" charset="2"/>
+              </a:rPr>
+              <a:t> </a:t>
             </a:r>
             <a:r>
               <a:rPr lang="nl-BE" dirty="0" err="1">
@@ -6097,7 +6413,7 @@
 </p:sld>
 </file>
 
-<file path=ppt/slides/slide13.xml><?xml version="1.0" encoding="utf-8"?>
+<file path=ppt/slides/slide14.xml><?xml version="1.0" encoding="utf-8"?>
 <p:sld xmlns:a="http://schemas.openxmlformats.org/drawingml/2006/main" xmlns:r="http://schemas.openxmlformats.org/officeDocument/2006/relationships" xmlns:p="http://schemas.openxmlformats.org/presentationml/2006/main">
   <p:cSld>
     <p:spTree>
@@ -6917,12 +7233,11 @@
               <a:buChar char="•"/>
             </a:pPr>
             <a:r>
-              <a:rPr lang="en-GB" dirty="0"/>
-              <a:t>Power on </a:t>
-            </a:r>
-            <a:endParaRPr lang="en-GB" dirty="0">
-              <a:sym typeface="Wingdings" panose="05000000000000000000" pitchFamily="2" charset="2"/>
-            </a:endParaRPr>
+              <a:rPr lang="en-GB" dirty="0">
+                <a:sym typeface="Wingdings" panose="05000000000000000000" pitchFamily="2" charset="2"/>
+              </a:rPr>
+              <a:t>Initialize sensors  -&gt; drivers lsm303agr, sht31, rf04</a:t>
+            </a:r>
           </a:p>
           <a:p>
             <a:pPr marL="457200" indent="-457200">
@@ -6933,7 +7248,7 @@
               <a:rPr lang="en-GB" dirty="0">
                 <a:sym typeface="Wingdings" panose="05000000000000000000" pitchFamily="2" charset="2"/>
               </a:rPr>
-              <a:t>Initialize sensors </a:t>
+              <a:t>Initialize interrupt accelerometer </a:t>
             </a:r>
           </a:p>
           <a:p>
@@ -6945,18 +7260,6 @@
               <a:rPr lang="en-GB" dirty="0">
                 <a:sym typeface="Wingdings" panose="05000000000000000000" pitchFamily="2" charset="2"/>
               </a:rPr>
-              <a:t>Initialize interrupt accelerometer </a:t>
-            </a:r>
-          </a:p>
-          <a:p>
-            <a:pPr marL="457200" indent="-457200">
-              <a:buFont typeface="Arial" panose="020B0604020202020204" pitchFamily="34" charset="0"/>
-              <a:buChar char="•"/>
-            </a:pPr>
-            <a:r>
-              <a:rPr lang="en-GB" dirty="0">
-                <a:sym typeface="Wingdings" panose="05000000000000000000" pitchFamily="2" charset="2"/>
-              </a:rPr>
               <a:t>Loop: </a:t>
             </a:r>
           </a:p>
@@ -6980,7 +7283,31 @@
               <a:rPr lang="en-GB" dirty="0">
                 <a:sym typeface="Wingdings" panose="05000000000000000000" pitchFamily="2" charset="2"/>
               </a:rPr>
-              <a:t>	-    Read sensor values</a:t>
+              <a:t>	-    Read sensor values: temp, </a:t>
+            </a:r>
+            <a:r>
+              <a:rPr lang="en-GB" dirty="0" err="1">
+                <a:sym typeface="Wingdings" panose="05000000000000000000" pitchFamily="2" charset="2"/>
+              </a:rPr>
+              <a:t>dist</a:t>
+            </a:r>
+            <a:r>
+              <a:rPr lang="en-GB" dirty="0">
+                <a:sym typeface="Wingdings" panose="05000000000000000000" pitchFamily="2" charset="2"/>
+              </a:rPr>
+              <a:t>, (</a:t>
+            </a:r>
+            <a:r>
+              <a:rPr lang="en-GB" dirty="0" err="1">
+                <a:sym typeface="Wingdings" panose="05000000000000000000" pitchFamily="2" charset="2"/>
+              </a:rPr>
+              <a:t>x,y,z</a:t>
+            </a:r>
+            <a:r>
+              <a:rPr lang="en-GB" dirty="0">
+                <a:sym typeface="Wingdings" panose="05000000000000000000" pitchFamily="2" charset="2"/>
+              </a:rPr>
+              <a:t>), GPS </a:t>
             </a:r>
           </a:p>
           <a:p>
